--- a/PredictableRydeSeniorShowcase.pptx
+++ b/PredictableRydeSeniorShowcase.pptx
@@ -5420,7 +5420,15 @@
             </a:pPr>
             <a:r>
               <a:rPr lang="en-US" dirty="0"/>
-              <a:t>Routes to optimize resources balancing the numbers of buses and travel route times.</a:t>
+              <a:t>Routes to optimize resources balancing </a:t>
+            </a:r>
+            <a:r>
+              <a:rPr lang="en-US"/>
+              <a:t>the number </a:t>
+            </a:r>
+            <a:r>
+              <a:rPr lang="en-US" dirty="0"/>
+              <a:t>of buses and travel route times.</a:t>
             </a:r>
           </a:p>
         </p:txBody>
